--- a/Resume.pptx
+++ b/Resume.pptx
@@ -8,6 +8,8 @@
     <p:sldId id="256" r:id="rId2"/>
     <p:sldId id="257" r:id="rId3"/>
     <p:sldId id="258" r:id="rId4"/>
+    <p:sldId id="259" r:id="rId5"/>
+    <p:sldId id="260" r:id="rId6"/>
   </p:sldIdLst>
   <p:sldSz cx="12192000" cy="6858000"/>
   <p:notesSz cx="6858000" cy="9144000"/>
@@ -5929,6 +5931,1483 @@
 </p:sld>
 </file>
 
+<file path=ppt/slides/slide4.xml><?xml version="1.0" encoding="utf-8"?>
+<p:sld xmlns:a="http://schemas.openxmlformats.org/drawingml/2006/main" xmlns:r="http://schemas.openxmlformats.org/officeDocument/2006/relationships" xmlns:p="http://schemas.openxmlformats.org/presentationml/2006/main">
+  <p:cSld>
+    <p:spTree>
+      <p:nvGrpSpPr>
+        <p:cNvPr id="1" name=""/>
+        <p:cNvGrpSpPr/>
+        <p:nvPr/>
+      </p:nvGrpSpPr>
+      <p:grpSpPr>
+        <a:xfrm>
+          <a:off x="0" y="0"/>
+          <a:ext cx="0" cy="0"/>
+          <a:chOff x="0" y="0"/>
+          <a:chExt cx="0" cy="0"/>
+        </a:xfrm>
+      </p:grpSpPr>
+      <p:sp>
+        <p:nvSpPr>
+          <p:cNvPr id="27" name="TextBox 26">
+            <a:extLst>
+              <a:ext uri="{FF2B5EF4-FFF2-40B4-BE49-F238E27FC236}">
+                <a16:creationId xmlns:a16="http://schemas.microsoft.com/office/drawing/2014/main" id="{F70150A6-B409-8F40-9DA7-B84F43FB10F6}"/>
+              </a:ext>
+            </a:extLst>
+          </p:cNvPr>
+          <p:cNvSpPr txBox="1"/>
+          <p:nvPr/>
+        </p:nvSpPr>
+        <p:spPr>
+          <a:xfrm>
+            <a:off x="3620816" y="613389"/>
+            <a:ext cx="3116315" cy="369332"/>
+          </a:xfrm>
+          <a:prstGeom prst="rect">
+            <a:avLst/>
+          </a:prstGeom>
+          <a:noFill/>
+        </p:spPr>
+        <p:txBody>
+          <a:bodyPr wrap="square" rtlCol="0">
+            <a:spAutoFit/>
+          </a:bodyPr>
+          <a:lstStyle/>
+          <a:p>
+            <a:r>
+              <a:rPr lang="en-US" dirty="0"/>
+              <a:t>CICD for Single code line</a:t>
+            </a:r>
+          </a:p>
+        </p:txBody>
+      </p:sp>
+      <p:cxnSp>
+        <p:nvCxnSpPr>
+          <p:cNvPr id="3" name="Straight Connector 2">
+            <a:extLst>
+              <a:ext uri="{FF2B5EF4-FFF2-40B4-BE49-F238E27FC236}">
+                <a16:creationId xmlns:a16="http://schemas.microsoft.com/office/drawing/2014/main" id="{2389DCB7-A6BB-014B-B8C8-6F833FCB8AC5}"/>
+              </a:ext>
+            </a:extLst>
+          </p:cNvPr>
+          <p:cNvCxnSpPr>
+            <a:cxnSpLocks/>
+          </p:cNvCxnSpPr>
+          <p:nvPr/>
+        </p:nvCxnSpPr>
+        <p:spPr>
+          <a:xfrm>
+            <a:off x="2238703" y="1755228"/>
+            <a:ext cx="7157545" cy="0"/>
+          </a:xfrm>
+          <a:prstGeom prst="line">
+            <a:avLst/>
+          </a:prstGeom>
+        </p:spPr>
+        <p:style>
+          <a:lnRef idx="1">
+            <a:schemeClr val="accent1"/>
+          </a:lnRef>
+          <a:fillRef idx="0">
+            <a:schemeClr val="accent1"/>
+          </a:fillRef>
+          <a:effectRef idx="0">
+            <a:schemeClr val="accent1"/>
+          </a:effectRef>
+          <a:fontRef idx="minor">
+            <a:schemeClr val="tx1"/>
+          </a:fontRef>
+        </p:style>
+      </p:cxnSp>
+      <p:cxnSp>
+        <p:nvCxnSpPr>
+          <p:cNvPr id="14" name="Straight Connector 13">
+            <a:extLst>
+              <a:ext uri="{FF2B5EF4-FFF2-40B4-BE49-F238E27FC236}">
+                <a16:creationId xmlns:a16="http://schemas.microsoft.com/office/drawing/2014/main" id="{D7E3E4D6-AD4C-6B47-84EA-9E5660815F85}"/>
+              </a:ext>
+            </a:extLst>
+          </p:cNvPr>
+          <p:cNvCxnSpPr>
+            <a:cxnSpLocks/>
+          </p:cNvCxnSpPr>
+          <p:nvPr/>
+        </p:nvCxnSpPr>
+        <p:spPr>
+          <a:xfrm>
+            <a:off x="2669627" y="1755228"/>
+            <a:ext cx="0" cy="515006"/>
+          </a:xfrm>
+          <a:prstGeom prst="line">
+            <a:avLst/>
+          </a:prstGeom>
+        </p:spPr>
+        <p:style>
+          <a:lnRef idx="1">
+            <a:schemeClr val="accent1"/>
+          </a:lnRef>
+          <a:fillRef idx="0">
+            <a:schemeClr val="accent1"/>
+          </a:fillRef>
+          <a:effectRef idx="0">
+            <a:schemeClr val="accent1"/>
+          </a:effectRef>
+          <a:fontRef idx="minor">
+            <a:schemeClr val="tx1"/>
+          </a:fontRef>
+        </p:style>
+      </p:cxnSp>
+      <p:cxnSp>
+        <p:nvCxnSpPr>
+          <p:cNvPr id="20" name="Straight Arrow Connector 19">
+            <a:extLst>
+              <a:ext uri="{FF2B5EF4-FFF2-40B4-BE49-F238E27FC236}">
+                <a16:creationId xmlns:a16="http://schemas.microsoft.com/office/drawing/2014/main" id="{1A0005D1-075B-8F41-A612-A520103DB594}"/>
+              </a:ext>
+            </a:extLst>
+          </p:cNvPr>
+          <p:cNvCxnSpPr>
+            <a:cxnSpLocks/>
+          </p:cNvCxnSpPr>
+          <p:nvPr/>
+        </p:nvCxnSpPr>
+        <p:spPr>
+          <a:xfrm>
+            <a:off x="2669627" y="2270234"/>
+            <a:ext cx="1208690" cy="0"/>
+          </a:xfrm>
+          <a:prstGeom prst="straightConnector1">
+            <a:avLst/>
+          </a:prstGeom>
+          <a:ln>
+            <a:tailEnd type="triangle"/>
+          </a:ln>
+        </p:spPr>
+        <p:style>
+          <a:lnRef idx="1">
+            <a:schemeClr val="accent1"/>
+          </a:lnRef>
+          <a:fillRef idx="0">
+            <a:schemeClr val="accent1"/>
+          </a:fillRef>
+          <a:effectRef idx="0">
+            <a:schemeClr val="accent1"/>
+          </a:effectRef>
+          <a:fontRef idx="minor">
+            <a:schemeClr val="tx1"/>
+          </a:fontRef>
+        </p:style>
+      </p:cxnSp>
+      <p:sp>
+        <p:nvSpPr>
+          <p:cNvPr id="31" name="Rounded Rectangle 30">
+            <a:extLst>
+              <a:ext uri="{FF2B5EF4-FFF2-40B4-BE49-F238E27FC236}">
+                <a16:creationId xmlns:a16="http://schemas.microsoft.com/office/drawing/2014/main" id="{E03E8D5F-CD56-6746-BA80-812F01551669}"/>
+              </a:ext>
+            </a:extLst>
+          </p:cNvPr>
+          <p:cNvSpPr/>
+          <p:nvPr/>
+        </p:nvSpPr>
+        <p:spPr>
+          <a:xfrm>
+            <a:off x="2848306" y="2028497"/>
+            <a:ext cx="772510" cy="483473"/>
+          </a:xfrm>
+          <a:prstGeom prst="roundRect">
+            <a:avLst/>
+          </a:prstGeom>
+        </p:spPr>
+        <p:style>
+          <a:lnRef idx="2">
+            <a:schemeClr val="accent1">
+              <a:shade val="50000"/>
+            </a:schemeClr>
+          </a:lnRef>
+          <a:fillRef idx="1">
+            <a:schemeClr val="accent1"/>
+          </a:fillRef>
+          <a:effectRef idx="0">
+            <a:schemeClr val="accent1"/>
+          </a:effectRef>
+          <a:fontRef idx="minor">
+            <a:schemeClr val="lt1"/>
+          </a:fontRef>
+        </p:style>
+        <p:txBody>
+          <a:bodyPr rtlCol="0" anchor="ctr"/>
+          <a:lstStyle/>
+          <a:p>
+            <a:pPr algn="ctr"/>
+            <a:r>
+              <a:rPr lang="en-US" dirty="0"/>
+              <a:t>Build</a:t>
+            </a:r>
+          </a:p>
+        </p:txBody>
+      </p:sp>
+      <p:sp>
+        <p:nvSpPr>
+          <p:cNvPr id="36" name="Rounded Rectangle 35">
+            <a:extLst>
+              <a:ext uri="{FF2B5EF4-FFF2-40B4-BE49-F238E27FC236}">
+                <a16:creationId xmlns:a16="http://schemas.microsoft.com/office/drawing/2014/main" id="{AA285C57-A3AB-FE46-9566-A406C50A1ABC}"/>
+              </a:ext>
+            </a:extLst>
+          </p:cNvPr>
+          <p:cNvSpPr/>
+          <p:nvPr/>
+        </p:nvSpPr>
+        <p:spPr>
+          <a:xfrm>
+            <a:off x="4051744" y="1524004"/>
+            <a:ext cx="772510" cy="483473"/>
+          </a:xfrm>
+          <a:prstGeom prst="roundRect">
+            <a:avLst/>
+          </a:prstGeom>
+        </p:spPr>
+        <p:style>
+          <a:lnRef idx="2">
+            <a:schemeClr val="accent1">
+              <a:shade val="50000"/>
+            </a:schemeClr>
+          </a:lnRef>
+          <a:fillRef idx="1">
+            <a:schemeClr val="accent1"/>
+          </a:fillRef>
+          <a:effectRef idx="0">
+            <a:schemeClr val="accent1"/>
+          </a:effectRef>
+          <a:fontRef idx="minor">
+            <a:schemeClr val="lt1"/>
+          </a:fontRef>
+        </p:style>
+        <p:txBody>
+          <a:bodyPr rtlCol="0" anchor="ctr"/>
+          <a:lstStyle/>
+          <a:p>
+            <a:pPr algn="ctr"/>
+            <a:r>
+              <a:rPr lang="en-US" dirty="0"/>
+              <a:t>Build</a:t>
+            </a:r>
+          </a:p>
+        </p:txBody>
+      </p:sp>
+      <p:sp>
+        <p:nvSpPr>
+          <p:cNvPr id="38" name="Rounded Rectangle 37">
+            <a:extLst>
+              <a:ext uri="{FF2B5EF4-FFF2-40B4-BE49-F238E27FC236}">
+                <a16:creationId xmlns:a16="http://schemas.microsoft.com/office/drawing/2014/main" id="{240F29C3-5284-1D4A-9138-976728EF745B}"/>
+              </a:ext>
+            </a:extLst>
+          </p:cNvPr>
+          <p:cNvSpPr/>
+          <p:nvPr/>
+        </p:nvSpPr>
+        <p:spPr>
+          <a:xfrm>
+            <a:off x="4971394" y="1513490"/>
+            <a:ext cx="981402" cy="483473"/>
+          </a:xfrm>
+          <a:prstGeom prst="roundRect">
+            <a:avLst/>
+          </a:prstGeom>
+        </p:spPr>
+        <p:style>
+          <a:lnRef idx="2">
+            <a:schemeClr val="accent1">
+              <a:shade val="50000"/>
+            </a:schemeClr>
+          </a:lnRef>
+          <a:fillRef idx="1">
+            <a:schemeClr val="accent1"/>
+          </a:fillRef>
+          <a:effectRef idx="0">
+            <a:schemeClr val="accent1"/>
+          </a:effectRef>
+          <a:fontRef idx="minor">
+            <a:schemeClr val="lt1"/>
+          </a:fontRef>
+        </p:style>
+        <p:txBody>
+          <a:bodyPr rtlCol="0" anchor="ctr"/>
+          <a:lstStyle/>
+          <a:p>
+            <a:pPr algn="ctr"/>
+            <a:r>
+              <a:rPr lang="en-US" dirty="0"/>
+              <a:t>Publish</a:t>
+            </a:r>
+          </a:p>
+        </p:txBody>
+      </p:sp>
+      <p:sp>
+        <p:nvSpPr>
+          <p:cNvPr id="39" name="Rounded Rectangle 38">
+            <a:extLst>
+              <a:ext uri="{FF2B5EF4-FFF2-40B4-BE49-F238E27FC236}">
+                <a16:creationId xmlns:a16="http://schemas.microsoft.com/office/drawing/2014/main" id="{9B6875B6-28CA-7246-A7AE-95783E1AB9EE}"/>
+              </a:ext>
+            </a:extLst>
+          </p:cNvPr>
+          <p:cNvSpPr/>
+          <p:nvPr/>
+        </p:nvSpPr>
+        <p:spPr>
+          <a:xfrm>
+            <a:off x="6127529" y="1497727"/>
+            <a:ext cx="772510" cy="483473"/>
+          </a:xfrm>
+          <a:prstGeom prst="roundRect">
+            <a:avLst/>
+          </a:prstGeom>
+        </p:spPr>
+        <p:style>
+          <a:lnRef idx="2">
+            <a:schemeClr val="accent1">
+              <a:shade val="50000"/>
+            </a:schemeClr>
+          </a:lnRef>
+          <a:fillRef idx="1">
+            <a:schemeClr val="accent1"/>
+          </a:fillRef>
+          <a:effectRef idx="0">
+            <a:schemeClr val="accent1"/>
+          </a:effectRef>
+          <a:fontRef idx="minor">
+            <a:schemeClr val="lt1"/>
+          </a:fontRef>
+        </p:style>
+        <p:txBody>
+          <a:bodyPr rtlCol="0" anchor="ctr"/>
+          <a:lstStyle/>
+          <a:p>
+            <a:pPr algn="ctr"/>
+            <a:r>
+              <a:rPr lang="en-US" dirty="0"/>
+              <a:t>QA</a:t>
+            </a:r>
+          </a:p>
+        </p:txBody>
+      </p:sp>
+      <p:sp>
+        <p:nvSpPr>
+          <p:cNvPr id="40" name="Rounded Rectangle 39">
+            <a:extLst>
+              <a:ext uri="{FF2B5EF4-FFF2-40B4-BE49-F238E27FC236}">
+                <a16:creationId xmlns:a16="http://schemas.microsoft.com/office/drawing/2014/main" id="{7092EFED-6A61-F342-8BD3-DC18228FB2AC}"/>
+              </a:ext>
+            </a:extLst>
+          </p:cNvPr>
+          <p:cNvSpPr/>
+          <p:nvPr/>
+        </p:nvSpPr>
+        <p:spPr>
+          <a:xfrm>
+            <a:off x="7133893" y="1497726"/>
+            <a:ext cx="772510" cy="483473"/>
+          </a:xfrm>
+          <a:prstGeom prst="roundRect">
+            <a:avLst/>
+          </a:prstGeom>
+        </p:spPr>
+        <p:style>
+          <a:lnRef idx="2">
+            <a:schemeClr val="accent1">
+              <a:shade val="50000"/>
+            </a:schemeClr>
+          </a:lnRef>
+          <a:fillRef idx="1">
+            <a:schemeClr val="accent1"/>
+          </a:fillRef>
+          <a:effectRef idx="0">
+            <a:schemeClr val="accent1"/>
+          </a:effectRef>
+          <a:fontRef idx="minor">
+            <a:schemeClr val="lt1"/>
+          </a:fontRef>
+        </p:style>
+        <p:txBody>
+          <a:bodyPr rtlCol="0" anchor="ctr"/>
+          <a:lstStyle/>
+          <a:p>
+            <a:pPr algn="ctr"/>
+            <a:r>
+              <a:rPr lang="en-US" dirty="0"/>
+              <a:t>E2E</a:t>
+            </a:r>
+          </a:p>
+        </p:txBody>
+      </p:sp>
+      <p:sp>
+        <p:nvSpPr>
+          <p:cNvPr id="41" name="Rounded Rectangle 40">
+            <a:extLst>
+              <a:ext uri="{FF2B5EF4-FFF2-40B4-BE49-F238E27FC236}">
+                <a16:creationId xmlns:a16="http://schemas.microsoft.com/office/drawing/2014/main" id="{B08938E5-81A9-D448-A676-3D63AA59CF80}"/>
+              </a:ext>
+            </a:extLst>
+          </p:cNvPr>
+          <p:cNvSpPr/>
+          <p:nvPr/>
+        </p:nvSpPr>
+        <p:spPr>
+          <a:xfrm>
+            <a:off x="8178362" y="1497725"/>
+            <a:ext cx="772510" cy="483473"/>
+          </a:xfrm>
+          <a:prstGeom prst="roundRect">
+            <a:avLst/>
+          </a:prstGeom>
+        </p:spPr>
+        <p:style>
+          <a:lnRef idx="2">
+            <a:schemeClr val="accent1">
+              <a:shade val="50000"/>
+            </a:schemeClr>
+          </a:lnRef>
+          <a:fillRef idx="1">
+            <a:schemeClr val="accent1"/>
+          </a:fillRef>
+          <a:effectRef idx="0">
+            <a:schemeClr val="accent1"/>
+          </a:effectRef>
+          <a:fontRef idx="minor">
+            <a:schemeClr val="lt1"/>
+          </a:fontRef>
+        </p:style>
+        <p:txBody>
+          <a:bodyPr rtlCol="0" anchor="ctr"/>
+          <a:lstStyle/>
+          <a:p>
+            <a:pPr algn="ctr"/>
+            <a:r>
+              <a:rPr lang="en-US" dirty="0"/>
+              <a:t>PROD</a:t>
+            </a:r>
+          </a:p>
+        </p:txBody>
+      </p:sp>
+      <p:cxnSp>
+        <p:nvCxnSpPr>
+          <p:cNvPr id="43" name="Straight Arrow Connector 42">
+            <a:extLst>
+              <a:ext uri="{FF2B5EF4-FFF2-40B4-BE49-F238E27FC236}">
+                <a16:creationId xmlns:a16="http://schemas.microsoft.com/office/drawing/2014/main" id="{62775277-0D09-1249-9932-6C021BDC0A03}"/>
+              </a:ext>
+            </a:extLst>
+          </p:cNvPr>
+          <p:cNvCxnSpPr/>
+          <p:nvPr/>
+        </p:nvCxnSpPr>
+        <p:spPr>
+          <a:xfrm flipV="1">
+            <a:off x="3878317" y="1755228"/>
+            <a:ext cx="0" cy="515006"/>
+          </a:xfrm>
+          <a:prstGeom prst="straightConnector1">
+            <a:avLst/>
+          </a:prstGeom>
+          <a:ln>
+            <a:tailEnd type="triangle"/>
+          </a:ln>
+        </p:spPr>
+        <p:style>
+          <a:lnRef idx="1">
+            <a:schemeClr val="accent1"/>
+          </a:lnRef>
+          <a:fillRef idx="0">
+            <a:schemeClr val="accent1"/>
+          </a:fillRef>
+          <a:effectRef idx="0">
+            <a:schemeClr val="accent1"/>
+          </a:effectRef>
+          <a:fontRef idx="minor">
+            <a:schemeClr val="tx1"/>
+          </a:fontRef>
+        </p:style>
+      </p:cxnSp>
+      <p:sp>
+        <p:nvSpPr>
+          <p:cNvPr id="44" name="TextBox 43">
+            <a:extLst>
+              <a:ext uri="{FF2B5EF4-FFF2-40B4-BE49-F238E27FC236}">
+                <a16:creationId xmlns:a16="http://schemas.microsoft.com/office/drawing/2014/main" id="{574AE585-4578-4743-B5B9-75CD2EDA8802}"/>
+              </a:ext>
+            </a:extLst>
+          </p:cNvPr>
+          <p:cNvSpPr txBox="1"/>
+          <p:nvPr/>
+        </p:nvSpPr>
+        <p:spPr>
+          <a:xfrm>
+            <a:off x="3951890" y="2165131"/>
+            <a:ext cx="872364" cy="369332"/>
+          </a:xfrm>
+          <a:prstGeom prst="rect">
+            <a:avLst/>
+          </a:prstGeom>
+          <a:noFill/>
+        </p:spPr>
+        <p:txBody>
+          <a:bodyPr wrap="square" rtlCol="0">
+            <a:spAutoFit/>
+          </a:bodyPr>
+          <a:lstStyle/>
+          <a:p>
+            <a:r>
+              <a:rPr lang="en-US" dirty="0"/>
+              <a:t>merge</a:t>
+            </a:r>
+          </a:p>
+        </p:txBody>
+      </p:sp>
+      <p:sp>
+        <p:nvSpPr>
+          <p:cNvPr id="46" name="TextBox 45">
+            <a:extLst>
+              <a:ext uri="{FF2B5EF4-FFF2-40B4-BE49-F238E27FC236}">
+                <a16:creationId xmlns:a16="http://schemas.microsoft.com/office/drawing/2014/main" id="{16A691D5-170B-A748-AE3F-3CB43763D347}"/>
+              </a:ext>
+            </a:extLst>
+          </p:cNvPr>
+          <p:cNvSpPr txBox="1"/>
+          <p:nvPr/>
+        </p:nvSpPr>
+        <p:spPr>
+          <a:xfrm>
+            <a:off x="1156138" y="1660634"/>
+            <a:ext cx="987972" cy="369332"/>
+          </a:xfrm>
+          <a:prstGeom prst="rect">
+            <a:avLst/>
+          </a:prstGeom>
+          <a:noFill/>
+        </p:spPr>
+        <p:txBody>
+          <a:bodyPr wrap="square" rtlCol="0">
+            <a:spAutoFit/>
+          </a:bodyPr>
+          <a:lstStyle/>
+          <a:p>
+            <a:r>
+              <a:rPr lang="en-US" dirty="0"/>
+              <a:t>master</a:t>
+            </a:r>
+          </a:p>
+        </p:txBody>
+      </p:sp>
+      <p:sp>
+        <p:nvSpPr>
+          <p:cNvPr id="47" name="TextBox 46">
+            <a:extLst>
+              <a:ext uri="{FF2B5EF4-FFF2-40B4-BE49-F238E27FC236}">
+                <a16:creationId xmlns:a16="http://schemas.microsoft.com/office/drawing/2014/main" id="{AD3D38E4-7D22-AB47-A96B-17816DF6A73F}"/>
+              </a:ext>
+            </a:extLst>
+          </p:cNvPr>
+          <p:cNvSpPr txBox="1"/>
+          <p:nvPr/>
+        </p:nvSpPr>
+        <p:spPr>
+          <a:xfrm>
+            <a:off x="1303285" y="2396359"/>
+            <a:ext cx="1366342" cy="369332"/>
+          </a:xfrm>
+          <a:prstGeom prst="rect">
+            <a:avLst/>
+          </a:prstGeom>
+          <a:noFill/>
+        </p:spPr>
+        <p:txBody>
+          <a:bodyPr wrap="square" rtlCol="0">
+            <a:spAutoFit/>
+          </a:bodyPr>
+          <a:lstStyle/>
+          <a:p>
+            <a:r>
+              <a:rPr lang="en-US" dirty="0"/>
+              <a:t>PR branch</a:t>
+            </a:r>
+          </a:p>
+        </p:txBody>
+      </p:sp>
+    </p:spTree>
+    <p:extLst>
+      <p:ext uri="{BB962C8B-B14F-4D97-AF65-F5344CB8AC3E}">
+        <p14:creationId xmlns:p14="http://schemas.microsoft.com/office/powerpoint/2010/main" val="1858670501"/>
+      </p:ext>
+    </p:extLst>
+  </p:cSld>
+  <p:clrMapOvr>
+    <a:masterClrMapping/>
+  </p:clrMapOvr>
+</p:sld>
+</file>
+
+<file path=ppt/slides/slide5.xml><?xml version="1.0" encoding="utf-8"?>
+<p:sld xmlns:a="http://schemas.openxmlformats.org/drawingml/2006/main" xmlns:r="http://schemas.openxmlformats.org/officeDocument/2006/relationships" xmlns:p="http://schemas.openxmlformats.org/presentationml/2006/main">
+  <p:cSld>
+    <p:spTree>
+      <p:nvGrpSpPr>
+        <p:cNvPr id="1" name=""/>
+        <p:cNvGrpSpPr/>
+        <p:nvPr/>
+      </p:nvGrpSpPr>
+      <p:grpSpPr>
+        <a:xfrm>
+          <a:off x="0" y="0"/>
+          <a:ext cx="0" cy="0"/>
+          <a:chOff x="0" y="0"/>
+          <a:chExt cx="0" cy="0"/>
+        </a:xfrm>
+      </p:grpSpPr>
+      <p:cxnSp>
+        <p:nvCxnSpPr>
+          <p:cNvPr id="10" name="Straight Arrow Connector 9">
+            <a:extLst>
+              <a:ext uri="{FF2B5EF4-FFF2-40B4-BE49-F238E27FC236}">
+                <a16:creationId xmlns:a16="http://schemas.microsoft.com/office/drawing/2014/main" id="{BF80F1DF-9A70-5E4B-B823-5AFEB19959B1}"/>
+              </a:ext>
+            </a:extLst>
+          </p:cNvPr>
+          <p:cNvCxnSpPr>
+            <a:cxnSpLocks/>
+          </p:cNvCxnSpPr>
+          <p:nvPr/>
+        </p:nvCxnSpPr>
+        <p:spPr>
+          <a:xfrm>
+            <a:off x="3205655" y="4246179"/>
+            <a:ext cx="5559973" cy="0"/>
+          </a:xfrm>
+          <a:prstGeom prst="straightConnector1">
+            <a:avLst/>
+          </a:prstGeom>
+          <a:ln>
+            <a:tailEnd type="triangle"/>
+          </a:ln>
+        </p:spPr>
+        <p:style>
+          <a:lnRef idx="1">
+            <a:schemeClr val="accent1"/>
+          </a:lnRef>
+          <a:fillRef idx="0">
+            <a:schemeClr val="accent1"/>
+          </a:fillRef>
+          <a:effectRef idx="0">
+            <a:schemeClr val="accent1"/>
+          </a:effectRef>
+          <a:fontRef idx="minor">
+            <a:schemeClr val="tx1"/>
+          </a:fontRef>
+        </p:style>
+      </p:cxnSp>
+      <p:sp>
+        <p:nvSpPr>
+          <p:cNvPr id="27" name="TextBox 26">
+            <a:extLst>
+              <a:ext uri="{FF2B5EF4-FFF2-40B4-BE49-F238E27FC236}">
+                <a16:creationId xmlns:a16="http://schemas.microsoft.com/office/drawing/2014/main" id="{F70150A6-B409-8F40-9DA7-B84F43FB10F6}"/>
+              </a:ext>
+            </a:extLst>
+          </p:cNvPr>
+          <p:cNvSpPr txBox="1"/>
+          <p:nvPr/>
+        </p:nvSpPr>
+        <p:spPr>
+          <a:xfrm>
+            <a:off x="1639614" y="613389"/>
+            <a:ext cx="8975834" cy="369332"/>
+          </a:xfrm>
+          <a:prstGeom prst="rect">
+            <a:avLst/>
+          </a:prstGeom>
+          <a:noFill/>
+        </p:spPr>
+        <p:txBody>
+          <a:bodyPr wrap="square" rtlCol="0">
+            <a:spAutoFit/>
+          </a:bodyPr>
+          <a:lstStyle/>
+          <a:p>
+            <a:r>
+              <a:rPr lang="en-US" dirty="0"/>
+              <a:t>CICD for Multiple Code Lines, Monolithic code bases, and limited hardware </a:t>
+            </a:r>
+          </a:p>
+        </p:txBody>
+      </p:sp>
+      <p:cxnSp>
+        <p:nvCxnSpPr>
+          <p:cNvPr id="3" name="Straight Connector 2">
+            <a:extLst>
+              <a:ext uri="{FF2B5EF4-FFF2-40B4-BE49-F238E27FC236}">
+                <a16:creationId xmlns:a16="http://schemas.microsoft.com/office/drawing/2014/main" id="{2389DCB7-A6BB-014B-B8C8-6F833FCB8AC5}"/>
+              </a:ext>
+            </a:extLst>
+          </p:cNvPr>
+          <p:cNvCxnSpPr>
+            <a:cxnSpLocks/>
+          </p:cNvCxnSpPr>
+          <p:nvPr/>
+        </p:nvCxnSpPr>
+        <p:spPr>
+          <a:xfrm>
+            <a:off x="2291254" y="2039007"/>
+            <a:ext cx="8565932" cy="0"/>
+          </a:xfrm>
+          <a:prstGeom prst="line">
+            <a:avLst/>
+          </a:prstGeom>
+        </p:spPr>
+        <p:style>
+          <a:lnRef idx="1">
+            <a:schemeClr val="accent1"/>
+          </a:lnRef>
+          <a:fillRef idx="0">
+            <a:schemeClr val="accent1"/>
+          </a:fillRef>
+          <a:effectRef idx="0">
+            <a:schemeClr val="accent1"/>
+          </a:effectRef>
+          <a:fontRef idx="minor">
+            <a:schemeClr val="tx1"/>
+          </a:fontRef>
+        </p:style>
+      </p:cxnSp>
+      <p:cxnSp>
+        <p:nvCxnSpPr>
+          <p:cNvPr id="14" name="Straight Connector 13">
+            <a:extLst>
+              <a:ext uri="{FF2B5EF4-FFF2-40B4-BE49-F238E27FC236}">
+                <a16:creationId xmlns:a16="http://schemas.microsoft.com/office/drawing/2014/main" id="{D7E3E4D6-AD4C-6B47-84EA-9E5660815F85}"/>
+              </a:ext>
+            </a:extLst>
+          </p:cNvPr>
+          <p:cNvCxnSpPr>
+            <a:cxnSpLocks/>
+          </p:cNvCxnSpPr>
+          <p:nvPr/>
+        </p:nvCxnSpPr>
+        <p:spPr>
+          <a:xfrm>
+            <a:off x="2722178" y="2039007"/>
+            <a:ext cx="0" cy="1010463"/>
+          </a:xfrm>
+          <a:prstGeom prst="line">
+            <a:avLst/>
+          </a:prstGeom>
+        </p:spPr>
+        <p:style>
+          <a:lnRef idx="1">
+            <a:schemeClr val="accent1"/>
+          </a:lnRef>
+          <a:fillRef idx="0">
+            <a:schemeClr val="accent1"/>
+          </a:fillRef>
+          <a:effectRef idx="0">
+            <a:schemeClr val="accent1"/>
+          </a:effectRef>
+          <a:fontRef idx="minor">
+            <a:schemeClr val="tx1"/>
+          </a:fontRef>
+        </p:style>
+      </p:cxnSp>
+      <p:cxnSp>
+        <p:nvCxnSpPr>
+          <p:cNvPr id="20" name="Straight Arrow Connector 19">
+            <a:extLst>
+              <a:ext uri="{FF2B5EF4-FFF2-40B4-BE49-F238E27FC236}">
+                <a16:creationId xmlns:a16="http://schemas.microsoft.com/office/drawing/2014/main" id="{1A0005D1-075B-8F41-A612-A520103DB594}"/>
+              </a:ext>
+            </a:extLst>
+          </p:cNvPr>
+          <p:cNvCxnSpPr>
+            <a:cxnSpLocks/>
+          </p:cNvCxnSpPr>
+          <p:nvPr/>
+        </p:nvCxnSpPr>
+        <p:spPr>
+          <a:xfrm>
+            <a:off x="2722178" y="3049472"/>
+            <a:ext cx="7041281" cy="10505"/>
+          </a:xfrm>
+          <a:prstGeom prst="straightConnector1">
+            <a:avLst/>
+          </a:prstGeom>
+          <a:ln>
+            <a:tailEnd type="triangle"/>
+          </a:ln>
+        </p:spPr>
+        <p:style>
+          <a:lnRef idx="1">
+            <a:schemeClr val="accent1"/>
+          </a:lnRef>
+          <a:fillRef idx="0">
+            <a:schemeClr val="accent1"/>
+          </a:fillRef>
+          <a:effectRef idx="0">
+            <a:schemeClr val="accent1"/>
+          </a:effectRef>
+          <a:fontRef idx="minor">
+            <a:schemeClr val="tx1"/>
+          </a:fontRef>
+        </p:style>
+      </p:cxnSp>
+      <p:sp>
+        <p:nvSpPr>
+          <p:cNvPr id="31" name="Rounded Rectangle 30">
+            <a:extLst>
+              <a:ext uri="{FF2B5EF4-FFF2-40B4-BE49-F238E27FC236}">
+                <a16:creationId xmlns:a16="http://schemas.microsoft.com/office/drawing/2014/main" id="{E03E8D5F-CD56-6746-BA80-812F01551669}"/>
+              </a:ext>
+            </a:extLst>
+          </p:cNvPr>
+          <p:cNvSpPr/>
+          <p:nvPr/>
+        </p:nvSpPr>
+        <p:spPr>
+          <a:xfrm>
+            <a:off x="3544613" y="4004442"/>
+            <a:ext cx="772510" cy="483473"/>
+          </a:xfrm>
+          <a:prstGeom prst="roundRect">
+            <a:avLst/>
+          </a:prstGeom>
+        </p:spPr>
+        <p:style>
+          <a:lnRef idx="2">
+            <a:schemeClr val="accent1">
+              <a:shade val="50000"/>
+            </a:schemeClr>
+          </a:lnRef>
+          <a:fillRef idx="1">
+            <a:schemeClr val="accent1"/>
+          </a:fillRef>
+          <a:effectRef idx="0">
+            <a:schemeClr val="accent1"/>
+          </a:effectRef>
+          <a:fontRef idx="minor">
+            <a:schemeClr val="lt1"/>
+          </a:fontRef>
+        </p:style>
+        <p:txBody>
+          <a:bodyPr rtlCol="0" anchor="ctr"/>
+          <a:lstStyle/>
+          <a:p>
+            <a:pPr algn="ctr"/>
+            <a:r>
+              <a:rPr lang="en-US" dirty="0"/>
+              <a:t>Build</a:t>
+            </a:r>
+          </a:p>
+        </p:txBody>
+      </p:sp>
+      <p:sp>
+        <p:nvSpPr>
+          <p:cNvPr id="40" name="Rounded Rectangle 39">
+            <a:extLst>
+              <a:ext uri="{FF2B5EF4-FFF2-40B4-BE49-F238E27FC236}">
+                <a16:creationId xmlns:a16="http://schemas.microsoft.com/office/drawing/2014/main" id="{7092EFED-6A61-F342-8BD3-DC18228FB2AC}"/>
+              </a:ext>
+            </a:extLst>
+          </p:cNvPr>
+          <p:cNvSpPr/>
+          <p:nvPr/>
+        </p:nvSpPr>
+        <p:spPr>
+          <a:xfrm>
+            <a:off x="8669732" y="1796907"/>
+            <a:ext cx="772510" cy="483473"/>
+          </a:xfrm>
+          <a:prstGeom prst="roundRect">
+            <a:avLst/>
+          </a:prstGeom>
+        </p:spPr>
+        <p:style>
+          <a:lnRef idx="2">
+            <a:schemeClr val="accent1">
+              <a:shade val="50000"/>
+            </a:schemeClr>
+          </a:lnRef>
+          <a:fillRef idx="1">
+            <a:schemeClr val="accent1"/>
+          </a:fillRef>
+          <a:effectRef idx="0">
+            <a:schemeClr val="accent1"/>
+          </a:effectRef>
+          <a:fontRef idx="minor">
+            <a:schemeClr val="lt1"/>
+          </a:fontRef>
+        </p:style>
+        <p:txBody>
+          <a:bodyPr rtlCol="0" anchor="ctr"/>
+          <a:lstStyle/>
+          <a:p>
+            <a:pPr algn="ctr"/>
+            <a:r>
+              <a:rPr lang="en-US" dirty="0"/>
+              <a:t>E2E</a:t>
+            </a:r>
+          </a:p>
+        </p:txBody>
+      </p:sp>
+      <p:sp>
+        <p:nvSpPr>
+          <p:cNvPr id="41" name="Rounded Rectangle 40">
+            <a:extLst>
+              <a:ext uri="{FF2B5EF4-FFF2-40B4-BE49-F238E27FC236}">
+                <a16:creationId xmlns:a16="http://schemas.microsoft.com/office/drawing/2014/main" id="{B08938E5-81A9-D448-A676-3D63AA59CF80}"/>
+              </a:ext>
+            </a:extLst>
+          </p:cNvPr>
+          <p:cNvSpPr/>
+          <p:nvPr/>
+        </p:nvSpPr>
+        <p:spPr>
+          <a:xfrm>
+            <a:off x="9763459" y="1781505"/>
+            <a:ext cx="772510" cy="483473"/>
+          </a:xfrm>
+          <a:prstGeom prst="roundRect">
+            <a:avLst/>
+          </a:prstGeom>
+        </p:spPr>
+        <p:style>
+          <a:lnRef idx="2">
+            <a:schemeClr val="accent1">
+              <a:shade val="50000"/>
+            </a:schemeClr>
+          </a:lnRef>
+          <a:fillRef idx="1">
+            <a:schemeClr val="accent1"/>
+          </a:fillRef>
+          <a:effectRef idx="0">
+            <a:schemeClr val="accent1"/>
+          </a:effectRef>
+          <a:fontRef idx="minor">
+            <a:schemeClr val="lt1"/>
+          </a:fontRef>
+        </p:style>
+        <p:txBody>
+          <a:bodyPr rtlCol="0" anchor="ctr"/>
+          <a:lstStyle/>
+          <a:p>
+            <a:pPr algn="ctr"/>
+            <a:r>
+              <a:rPr lang="en-US" dirty="0"/>
+              <a:t>PROD</a:t>
+            </a:r>
+          </a:p>
+        </p:txBody>
+      </p:sp>
+      <p:cxnSp>
+        <p:nvCxnSpPr>
+          <p:cNvPr id="43" name="Straight Arrow Connector 42">
+            <a:extLst>
+              <a:ext uri="{FF2B5EF4-FFF2-40B4-BE49-F238E27FC236}">
+                <a16:creationId xmlns:a16="http://schemas.microsoft.com/office/drawing/2014/main" id="{62775277-0D09-1249-9932-6C021BDC0A03}"/>
+              </a:ext>
+            </a:extLst>
+          </p:cNvPr>
+          <p:cNvCxnSpPr>
+            <a:cxnSpLocks/>
+          </p:cNvCxnSpPr>
+          <p:nvPr/>
+        </p:nvCxnSpPr>
+        <p:spPr>
+          <a:xfrm flipV="1">
+            <a:off x="7555636" y="2023241"/>
+            <a:ext cx="0" cy="1010463"/>
+          </a:xfrm>
+          <a:prstGeom prst="straightConnector1">
+            <a:avLst/>
+          </a:prstGeom>
+          <a:ln>
+            <a:tailEnd type="triangle"/>
+          </a:ln>
+        </p:spPr>
+        <p:style>
+          <a:lnRef idx="1">
+            <a:schemeClr val="accent1"/>
+          </a:lnRef>
+          <a:fillRef idx="0">
+            <a:schemeClr val="accent1"/>
+          </a:fillRef>
+          <a:effectRef idx="0">
+            <a:schemeClr val="accent1"/>
+          </a:effectRef>
+          <a:fontRef idx="minor">
+            <a:schemeClr val="tx1"/>
+          </a:fontRef>
+        </p:style>
+      </p:cxnSp>
+      <p:sp>
+        <p:nvSpPr>
+          <p:cNvPr id="44" name="TextBox 43">
+            <a:extLst>
+              <a:ext uri="{FF2B5EF4-FFF2-40B4-BE49-F238E27FC236}">
+                <a16:creationId xmlns:a16="http://schemas.microsoft.com/office/drawing/2014/main" id="{574AE585-4578-4743-B5B9-75CD2EDA8802}"/>
+              </a:ext>
+            </a:extLst>
+          </p:cNvPr>
+          <p:cNvSpPr txBox="1"/>
+          <p:nvPr/>
+        </p:nvSpPr>
+        <p:spPr>
+          <a:xfrm>
+            <a:off x="7619363" y="2472559"/>
+            <a:ext cx="872364" cy="369332"/>
+          </a:xfrm>
+          <a:prstGeom prst="rect">
+            <a:avLst/>
+          </a:prstGeom>
+          <a:noFill/>
+        </p:spPr>
+        <p:txBody>
+          <a:bodyPr wrap="square" rtlCol="0">
+            <a:spAutoFit/>
+          </a:bodyPr>
+          <a:lstStyle/>
+          <a:p>
+            <a:r>
+              <a:rPr lang="en-US" dirty="0"/>
+              <a:t>merge</a:t>
+            </a:r>
+          </a:p>
+        </p:txBody>
+      </p:sp>
+      <p:sp>
+        <p:nvSpPr>
+          <p:cNvPr id="46" name="TextBox 45">
+            <a:extLst>
+              <a:ext uri="{FF2B5EF4-FFF2-40B4-BE49-F238E27FC236}">
+                <a16:creationId xmlns:a16="http://schemas.microsoft.com/office/drawing/2014/main" id="{16A691D5-170B-A748-AE3F-3CB43763D347}"/>
+              </a:ext>
+            </a:extLst>
+          </p:cNvPr>
+          <p:cNvSpPr txBox="1"/>
+          <p:nvPr/>
+        </p:nvSpPr>
+        <p:spPr>
+          <a:xfrm>
+            <a:off x="1208689" y="1944413"/>
+            <a:ext cx="987972" cy="369332"/>
+          </a:xfrm>
+          <a:prstGeom prst="rect">
+            <a:avLst/>
+          </a:prstGeom>
+          <a:noFill/>
+        </p:spPr>
+        <p:txBody>
+          <a:bodyPr wrap="square" rtlCol="0">
+            <a:spAutoFit/>
+          </a:bodyPr>
+          <a:lstStyle/>
+          <a:p>
+            <a:r>
+              <a:rPr lang="en-US" dirty="0"/>
+              <a:t>master</a:t>
+            </a:r>
+          </a:p>
+        </p:txBody>
+      </p:sp>
+      <p:sp>
+        <p:nvSpPr>
+          <p:cNvPr id="47" name="TextBox 46">
+            <a:extLst>
+              <a:ext uri="{FF2B5EF4-FFF2-40B4-BE49-F238E27FC236}">
+                <a16:creationId xmlns:a16="http://schemas.microsoft.com/office/drawing/2014/main" id="{AD3D38E4-7D22-AB47-A96B-17816DF6A73F}"/>
+              </a:ext>
+            </a:extLst>
+          </p:cNvPr>
+          <p:cNvSpPr txBox="1"/>
+          <p:nvPr/>
+        </p:nvSpPr>
+        <p:spPr>
+          <a:xfrm>
+            <a:off x="1655388" y="2707880"/>
+            <a:ext cx="536021" cy="369332"/>
+          </a:xfrm>
+          <a:prstGeom prst="rect">
+            <a:avLst/>
+          </a:prstGeom>
+          <a:noFill/>
+        </p:spPr>
+        <p:txBody>
+          <a:bodyPr wrap="square" rtlCol="0">
+            <a:spAutoFit/>
+          </a:bodyPr>
+          <a:lstStyle/>
+          <a:p>
+            <a:r>
+              <a:rPr lang="en-US" dirty="0"/>
+              <a:t>QA </a:t>
+            </a:r>
+          </a:p>
+        </p:txBody>
+      </p:sp>
+      <p:cxnSp>
+        <p:nvCxnSpPr>
+          <p:cNvPr id="8" name="Straight Connector 7">
+            <a:extLst>
+              <a:ext uri="{FF2B5EF4-FFF2-40B4-BE49-F238E27FC236}">
+                <a16:creationId xmlns:a16="http://schemas.microsoft.com/office/drawing/2014/main" id="{31C4D829-5A6D-8740-B331-3728F6B226AC}"/>
+              </a:ext>
+            </a:extLst>
+          </p:cNvPr>
+          <p:cNvCxnSpPr/>
+          <p:nvPr/>
+        </p:nvCxnSpPr>
+        <p:spPr>
+          <a:xfrm>
+            <a:off x="3205655" y="3049470"/>
+            <a:ext cx="0" cy="1196709"/>
+          </a:xfrm>
+          <a:prstGeom prst="line">
+            <a:avLst/>
+          </a:prstGeom>
+        </p:spPr>
+        <p:style>
+          <a:lnRef idx="1">
+            <a:schemeClr val="accent1"/>
+          </a:lnRef>
+          <a:fillRef idx="0">
+            <a:schemeClr val="accent1"/>
+          </a:fillRef>
+          <a:effectRef idx="0">
+            <a:schemeClr val="accent1"/>
+          </a:effectRef>
+          <a:fontRef idx="minor">
+            <a:schemeClr val="tx1"/>
+          </a:fontRef>
+        </p:style>
+      </p:cxnSp>
+      <p:sp>
+        <p:nvSpPr>
+          <p:cNvPr id="25" name="TextBox 24">
+            <a:extLst>
+              <a:ext uri="{FF2B5EF4-FFF2-40B4-BE49-F238E27FC236}">
+                <a16:creationId xmlns:a16="http://schemas.microsoft.com/office/drawing/2014/main" id="{6FE5823E-B048-9D48-BD1B-2699BB962F0A}"/>
+              </a:ext>
+            </a:extLst>
+          </p:cNvPr>
+          <p:cNvSpPr txBox="1"/>
+          <p:nvPr/>
+        </p:nvSpPr>
+        <p:spPr>
+          <a:xfrm>
+            <a:off x="1923396" y="4061512"/>
+            <a:ext cx="693678" cy="369332"/>
+          </a:xfrm>
+          <a:prstGeom prst="rect">
+            <a:avLst/>
+          </a:prstGeom>
+          <a:noFill/>
+        </p:spPr>
+        <p:txBody>
+          <a:bodyPr wrap="square" rtlCol="0">
+            <a:spAutoFit/>
+          </a:bodyPr>
+          <a:lstStyle/>
+          <a:p>
+            <a:r>
+              <a:rPr lang="en-US" dirty="0"/>
+              <a:t>Dev </a:t>
+            </a:r>
+          </a:p>
+        </p:txBody>
+      </p:sp>
+      <p:sp>
+        <p:nvSpPr>
+          <p:cNvPr id="29" name="Rounded Rectangle 28">
+            <a:extLst>
+              <a:ext uri="{FF2B5EF4-FFF2-40B4-BE49-F238E27FC236}">
+                <a16:creationId xmlns:a16="http://schemas.microsoft.com/office/drawing/2014/main" id="{E22A9A34-7E87-E64C-A532-A1D48409D38A}"/>
+              </a:ext>
+            </a:extLst>
+          </p:cNvPr>
+          <p:cNvSpPr/>
+          <p:nvPr/>
+        </p:nvSpPr>
+        <p:spPr>
+          <a:xfrm>
+            <a:off x="4469525" y="4014948"/>
+            <a:ext cx="772510" cy="483473"/>
+          </a:xfrm>
+          <a:prstGeom prst="roundRect">
+            <a:avLst/>
+          </a:prstGeom>
+        </p:spPr>
+        <p:style>
+          <a:lnRef idx="2">
+            <a:schemeClr val="accent1">
+              <a:shade val="50000"/>
+            </a:schemeClr>
+          </a:lnRef>
+          <a:fillRef idx="1">
+            <a:schemeClr val="accent1"/>
+          </a:fillRef>
+          <a:effectRef idx="0">
+            <a:schemeClr val="accent1"/>
+          </a:effectRef>
+          <a:fontRef idx="minor">
+            <a:schemeClr val="lt1"/>
+          </a:fontRef>
+        </p:style>
+        <p:txBody>
+          <a:bodyPr rtlCol="0" anchor="ctr"/>
+          <a:lstStyle/>
+          <a:p>
+            <a:pPr algn="ctr"/>
+            <a:r>
+              <a:rPr lang="en-US" dirty="0"/>
+              <a:t>Dev</a:t>
+            </a:r>
+          </a:p>
+        </p:txBody>
+      </p:sp>
+      <p:cxnSp>
+        <p:nvCxnSpPr>
+          <p:cNvPr id="16" name="Straight Arrow Connector 15">
+            <a:extLst>
+              <a:ext uri="{FF2B5EF4-FFF2-40B4-BE49-F238E27FC236}">
+                <a16:creationId xmlns:a16="http://schemas.microsoft.com/office/drawing/2014/main" id="{042F7308-14C1-9945-8301-1541D0A33CF1}"/>
+              </a:ext>
+            </a:extLst>
+          </p:cNvPr>
+          <p:cNvCxnSpPr/>
+          <p:nvPr/>
+        </p:nvCxnSpPr>
+        <p:spPr>
+          <a:xfrm flipV="1">
+            <a:off x="5406256" y="3059977"/>
+            <a:ext cx="0" cy="1196707"/>
+          </a:xfrm>
+          <a:prstGeom prst="straightConnector1">
+            <a:avLst/>
+          </a:prstGeom>
+          <a:ln>
+            <a:tailEnd type="triangle"/>
+          </a:ln>
+        </p:spPr>
+        <p:style>
+          <a:lnRef idx="1">
+            <a:schemeClr val="accent1"/>
+          </a:lnRef>
+          <a:fillRef idx="0">
+            <a:schemeClr val="accent1"/>
+          </a:fillRef>
+          <a:effectRef idx="0">
+            <a:schemeClr val="accent1"/>
+          </a:effectRef>
+          <a:fontRef idx="minor">
+            <a:schemeClr val="tx1"/>
+          </a:fontRef>
+        </p:style>
+      </p:cxnSp>
+      <p:sp>
+        <p:nvSpPr>
+          <p:cNvPr id="32" name="TextBox 31">
+            <a:extLst>
+              <a:ext uri="{FF2B5EF4-FFF2-40B4-BE49-F238E27FC236}">
+                <a16:creationId xmlns:a16="http://schemas.microsoft.com/office/drawing/2014/main" id="{5DE9C0D7-6CA2-A34F-99E3-73776E4E998B}"/>
+              </a:ext>
+            </a:extLst>
+          </p:cNvPr>
+          <p:cNvSpPr txBox="1"/>
+          <p:nvPr/>
+        </p:nvSpPr>
+        <p:spPr>
+          <a:xfrm>
+            <a:off x="5468671" y="3574619"/>
+            <a:ext cx="872364" cy="369332"/>
+          </a:xfrm>
+          <a:prstGeom prst="rect">
+            <a:avLst/>
+          </a:prstGeom>
+          <a:noFill/>
+        </p:spPr>
+        <p:txBody>
+          <a:bodyPr wrap="square" rtlCol="0">
+            <a:spAutoFit/>
+          </a:bodyPr>
+          <a:lstStyle/>
+          <a:p>
+            <a:r>
+              <a:rPr lang="en-US" dirty="0"/>
+              <a:t>merge</a:t>
+            </a:r>
+          </a:p>
+        </p:txBody>
+      </p:sp>
+      <p:sp>
+        <p:nvSpPr>
+          <p:cNvPr id="33" name="Rounded Rectangle 32">
+            <a:extLst>
+              <a:ext uri="{FF2B5EF4-FFF2-40B4-BE49-F238E27FC236}">
+                <a16:creationId xmlns:a16="http://schemas.microsoft.com/office/drawing/2014/main" id="{05E27032-1981-234A-9CCE-87E76897FBA2}"/>
+              </a:ext>
+            </a:extLst>
+          </p:cNvPr>
+          <p:cNvSpPr/>
+          <p:nvPr/>
+        </p:nvSpPr>
+        <p:spPr>
+          <a:xfrm>
+            <a:off x="6537117" y="2807733"/>
+            <a:ext cx="772510" cy="483473"/>
+          </a:xfrm>
+          <a:prstGeom prst="roundRect">
+            <a:avLst/>
+          </a:prstGeom>
+        </p:spPr>
+        <p:style>
+          <a:lnRef idx="2">
+            <a:schemeClr val="accent1">
+              <a:shade val="50000"/>
+            </a:schemeClr>
+          </a:lnRef>
+          <a:fillRef idx="1">
+            <a:schemeClr val="accent1"/>
+          </a:fillRef>
+          <a:effectRef idx="0">
+            <a:schemeClr val="accent1"/>
+          </a:effectRef>
+          <a:fontRef idx="minor">
+            <a:schemeClr val="lt1"/>
+          </a:fontRef>
+        </p:style>
+        <p:txBody>
+          <a:bodyPr rtlCol="0" anchor="ctr"/>
+          <a:lstStyle/>
+          <a:p>
+            <a:pPr algn="ctr"/>
+            <a:r>
+              <a:rPr lang="en-US" dirty="0"/>
+              <a:t>QA</a:t>
+            </a:r>
+          </a:p>
+        </p:txBody>
+      </p:sp>
+      <p:sp>
+        <p:nvSpPr>
+          <p:cNvPr id="35" name="Rounded Rectangle 34">
+            <a:extLst>
+              <a:ext uri="{FF2B5EF4-FFF2-40B4-BE49-F238E27FC236}">
+                <a16:creationId xmlns:a16="http://schemas.microsoft.com/office/drawing/2014/main" id="{C506CC41-731A-5D49-A064-6B71A1D33F47}"/>
+              </a:ext>
+            </a:extLst>
+          </p:cNvPr>
+          <p:cNvSpPr/>
+          <p:nvPr/>
+        </p:nvSpPr>
+        <p:spPr>
+          <a:xfrm>
+            <a:off x="7736614" y="1786035"/>
+            <a:ext cx="772510" cy="483473"/>
+          </a:xfrm>
+          <a:prstGeom prst="roundRect">
+            <a:avLst/>
+          </a:prstGeom>
+        </p:spPr>
+        <p:style>
+          <a:lnRef idx="2">
+            <a:schemeClr val="accent1">
+              <a:shade val="50000"/>
+            </a:schemeClr>
+          </a:lnRef>
+          <a:fillRef idx="1">
+            <a:schemeClr val="accent1"/>
+          </a:fillRef>
+          <a:effectRef idx="0">
+            <a:schemeClr val="accent1"/>
+          </a:effectRef>
+          <a:fontRef idx="minor">
+            <a:schemeClr val="lt1"/>
+          </a:fontRef>
+        </p:style>
+        <p:txBody>
+          <a:bodyPr rtlCol="0" anchor="ctr"/>
+          <a:lstStyle/>
+          <a:p>
+            <a:pPr algn="ctr"/>
+            <a:r>
+              <a:rPr lang="en-US" dirty="0"/>
+              <a:t>Build</a:t>
+            </a:r>
+          </a:p>
+        </p:txBody>
+      </p:sp>
+      <p:sp>
+        <p:nvSpPr>
+          <p:cNvPr id="37" name="Rounded Rectangle 36">
+            <a:extLst>
+              <a:ext uri="{FF2B5EF4-FFF2-40B4-BE49-F238E27FC236}">
+                <a16:creationId xmlns:a16="http://schemas.microsoft.com/office/drawing/2014/main" id="{CF7C7652-C34F-3E4D-9CB1-FEBEE2927BD3}"/>
+              </a:ext>
+            </a:extLst>
+          </p:cNvPr>
+          <p:cNvSpPr/>
+          <p:nvPr/>
+        </p:nvSpPr>
+        <p:spPr>
+          <a:xfrm>
+            <a:off x="5518598" y="2833825"/>
+            <a:ext cx="772510" cy="483473"/>
+          </a:xfrm>
+          <a:prstGeom prst="roundRect">
+            <a:avLst/>
+          </a:prstGeom>
+        </p:spPr>
+        <p:style>
+          <a:lnRef idx="2">
+            <a:schemeClr val="accent1">
+              <a:shade val="50000"/>
+            </a:schemeClr>
+          </a:lnRef>
+          <a:fillRef idx="1">
+            <a:schemeClr val="accent1"/>
+          </a:fillRef>
+          <a:effectRef idx="0">
+            <a:schemeClr val="accent1"/>
+          </a:effectRef>
+          <a:fontRef idx="minor">
+            <a:schemeClr val="lt1"/>
+          </a:fontRef>
+        </p:style>
+        <p:txBody>
+          <a:bodyPr rtlCol="0" anchor="ctr"/>
+          <a:lstStyle/>
+          <a:p>
+            <a:pPr algn="ctr"/>
+            <a:r>
+              <a:rPr lang="en-US" dirty="0"/>
+              <a:t>Build</a:t>
+            </a:r>
+          </a:p>
+        </p:txBody>
+      </p:sp>
+    </p:spTree>
+    <p:extLst>
+      <p:ext uri="{BB962C8B-B14F-4D97-AF65-F5344CB8AC3E}">
+        <p14:creationId xmlns:p14="http://schemas.microsoft.com/office/powerpoint/2010/main" val="272692844"/>
+      </p:ext>
+    </p:extLst>
+  </p:cSld>
+  <p:clrMapOvr>
+    <a:masterClrMapping/>
+  </p:clrMapOvr>
+</p:sld>
+</file>
+
 <file path=ppt/theme/theme1.xml><?xml version="1.0" encoding="utf-8"?>
 <a:theme xmlns:a="http://schemas.openxmlformats.org/drawingml/2006/main" name="Office Theme">
   <a:themeElements>
